--- a/AITraining/Fundamentals/Statistics/Stats - Basics - Terms.pptx
+++ b/AITraining/Fundamentals/Statistics/Stats - Basics - Terms.pptx
@@ -206,7 +206,7 @@
           <a:p>
             <a:fld id="{FAF957FC-5175-49AC-8D2B-2F056FFFC1DD}" type="datetimeFigureOut">
               <a:rPr lang="en-US" smtClean="0"/>
-              <a:t>11/26/2017</a:t>
+              <a:t>4/25/2018</a:t>
             </a:fld>
             <a:endParaRPr lang="en-US"/>
           </a:p>
@@ -656,7 +656,7 @@
             <a:fld id="{1D8BD707-D9CF-40AE-B4C6-C98DA3205C09}" type="datetimeFigureOut">
               <a:rPr lang="en-US" smtClean="0"/>
               <a:pPr/>
-              <a:t>11/26/2017</a:t>
+              <a:t>4/25/2018</a:t>
             </a:fld>
             <a:endParaRPr lang="en-US"/>
           </a:p>
@@ -823,7 +823,7 @@
             <a:fld id="{1D8BD707-D9CF-40AE-B4C6-C98DA3205C09}" type="datetimeFigureOut">
               <a:rPr lang="en-US" smtClean="0"/>
               <a:pPr/>
-              <a:t>11/26/2017</a:t>
+              <a:t>4/25/2018</a:t>
             </a:fld>
             <a:endParaRPr lang="en-US"/>
           </a:p>
@@ -1000,7 +1000,7 @@
             <a:fld id="{1D8BD707-D9CF-40AE-B4C6-C98DA3205C09}" type="datetimeFigureOut">
               <a:rPr lang="en-US" smtClean="0"/>
               <a:pPr/>
-              <a:t>11/26/2017</a:t>
+              <a:t>4/25/2018</a:t>
             </a:fld>
             <a:endParaRPr lang="en-US"/>
           </a:p>
@@ -1167,7 +1167,7 @@
             <a:fld id="{1D8BD707-D9CF-40AE-B4C6-C98DA3205C09}" type="datetimeFigureOut">
               <a:rPr lang="en-US" smtClean="0"/>
               <a:pPr/>
-              <a:t>11/26/2017</a:t>
+              <a:t>4/25/2018</a:t>
             </a:fld>
             <a:endParaRPr lang="en-US"/>
           </a:p>
@@ -1410,7 +1410,7 @@
             <a:fld id="{1D8BD707-D9CF-40AE-B4C6-C98DA3205C09}" type="datetimeFigureOut">
               <a:rPr lang="en-US" smtClean="0"/>
               <a:pPr/>
-              <a:t>11/26/2017</a:t>
+              <a:t>4/25/2018</a:t>
             </a:fld>
             <a:endParaRPr lang="en-US"/>
           </a:p>
@@ -1695,7 +1695,7 @@
             <a:fld id="{1D8BD707-D9CF-40AE-B4C6-C98DA3205C09}" type="datetimeFigureOut">
               <a:rPr lang="en-US" smtClean="0"/>
               <a:pPr/>
-              <a:t>11/26/2017</a:t>
+              <a:t>4/25/2018</a:t>
             </a:fld>
             <a:endParaRPr lang="en-US"/>
           </a:p>
@@ -2114,7 +2114,7 @@
             <a:fld id="{1D8BD707-D9CF-40AE-B4C6-C98DA3205C09}" type="datetimeFigureOut">
               <a:rPr lang="en-US" smtClean="0"/>
               <a:pPr/>
-              <a:t>11/26/2017</a:t>
+              <a:t>4/25/2018</a:t>
             </a:fld>
             <a:endParaRPr lang="en-US"/>
           </a:p>
@@ -2229,7 +2229,7 @@
             <a:fld id="{1D8BD707-D9CF-40AE-B4C6-C98DA3205C09}" type="datetimeFigureOut">
               <a:rPr lang="en-US" smtClean="0"/>
               <a:pPr/>
-              <a:t>11/26/2017</a:t>
+              <a:t>4/25/2018</a:t>
             </a:fld>
             <a:endParaRPr lang="en-US"/>
           </a:p>
@@ -2321,7 +2321,7 @@
             <a:fld id="{1D8BD707-D9CF-40AE-B4C6-C98DA3205C09}" type="datetimeFigureOut">
               <a:rPr lang="en-US" smtClean="0"/>
               <a:pPr/>
-              <a:t>11/26/2017</a:t>
+              <a:t>4/25/2018</a:t>
             </a:fld>
             <a:endParaRPr lang="en-US"/>
           </a:p>
@@ -2595,7 +2595,7 @@
             <a:fld id="{1D8BD707-D9CF-40AE-B4C6-C98DA3205C09}" type="datetimeFigureOut">
               <a:rPr lang="en-US" smtClean="0"/>
               <a:pPr/>
-              <a:t>11/26/2017</a:t>
+              <a:t>4/25/2018</a:t>
             </a:fld>
             <a:endParaRPr lang="en-US"/>
           </a:p>
@@ -2845,7 +2845,7 @@
             <a:fld id="{1D8BD707-D9CF-40AE-B4C6-C98DA3205C09}" type="datetimeFigureOut">
               <a:rPr lang="en-US" smtClean="0"/>
               <a:pPr/>
-              <a:t>11/26/2017</a:t>
+              <a:t>4/25/2018</a:t>
             </a:fld>
             <a:endParaRPr lang="en-US"/>
           </a:p>
@@ -3055,7 +3055,7 @@
             <a:fld id="{1D8BD707-D9CF-40AE-B4C6-C98DA3205C09}" type="datetimeFigureOut">
               <a:rPr lang="en-US" smtClean="0"/>
               <a:pPr/>
-              <a:t>11/26/2017</a:t>
+              <a:t>4/25/2018</a:t>
             </a:fld>
             <a:endParaRPr lang="en-US"/>
           </a:p>
@@ -14105,8 +14105,25 @@
                   </a:schemeClr>
                 </a:solidFill>
               </a:rPr>
-              <a:t>    where the values are grouped into ranges.</a:t>
-            </a:r>
+              <a:t>    where the values are grouped into </a:t>
+            </a:r>
+            <a:r>
+              <a:rPr lang="en-US" sz="2400" b="1" dirty="0" smtClean="0">
+                <a:solidFill>
+                  <a:schemeClr val="accent5">
+                    <a:lumMod val="75000"/>
+                  </a:schemeClr>
+                </a:solidFill>
+              </a:rPr>
+              <a:t>ranges (e.g., bins).</a:t>
+            </a:r>
+            <a:endParaRPr lang="en-US" sz="2400" b="1" dirty="0" smtClean="0">
+              <a:solidFill>
+                <a:schemeClr val="accent5">
+                  <a:lumMod val="75000"/>
+                </a:schemeClr>
+              </a:solidFill>
+            </a:endParaRPr>
           </a:p>
         </p:txBody>
       </p:sp>
@@ -14908,8 +14925,8 @@
           </a:p>
         </p:txBody>
       </p:sp>
-      <mc:AlternateContent xmlns:mc="http://schemas.openxmlformats.org/markup-compatibility/2006">
-        <mc:Choice xmlns:a14="http://schemas.microsoft.com/office/drawing/2010/main" Requires="a14">
+      <mc:AlternateContent xmlns:mc="http://schemas.openxmlformats.org/markup-compatibility/2006" xmlns:a14="http://schemas.microsoft.com/office/drawing/2010/main">
+        <mc:Choice Requires="a14">
           <p:sp>
             <p:nvSpPr>
               <p:cNvPr id="3" name="TextBox 2"/>
@@ -15045,7 +15062,7 @@
             </p:txBody>
           </p:sp>
         </mc:Choice>
-        <mc:Fallback>
+        <mc:Fallback xmlns="">
           <p:sp>
             <p:nvSpPr>
               <p:cNvPr id="3" name="TextBox 2"/>
